--- a/r_package/varia/Workshops_and_demos/2025_09_30_international_workshop/images/images_for_presentation.pptx
+++ b/r_package/varia/Workshops_and_demos/2025_09_30_international_workshop/images/images_for_presentation.pptx
@@ -266,7 +266,7 @@
           <a:p>
             <a:fld id="{2AECC169-8D99-43BA-9020-AC448D8397CC}" type="datetimeFigureOut">
               <a:rPr lang="en-US" smtClean="0"/>
-              <a:t>6/27/2025</a:t>
+              <a:t>9/9/2025</a:t>
             </a:fld>
             <a:endParaRPr lang="en-US"/>
           </a:p>
@@ -464,7 +464,7 @@
           <a:p>
             <a:fld id="{2AECC169-8D99-43BA-9020-AC448D8397CC}" type="datetimeFigureOut">
               <a:rPr lang="en-US" smtClean="0"/>
-              <a:t>6/27/2025</a:t>
+              <a:t>9/9/2025</a:t>
             </a:fld>
             <a:endParaRPr lang="en-US"/>
           </a:p>
@@ -672,7 +672,7 @@
           <a:p>
             <a:fld id="{2AECC169-8D99-43BA-9020-AC448D8397CC}" type="datetimeFigureOut">
               <a:rPr lang="en-US" smtClean="0"/>
-              <a:t>6/27/2025</a:t>
+              <a:t>9/9/2025</a:t>
             </a:fld>
             <a:endParaRPr lang="en-US"/>
           </a:p>
@@ -870,7 +870,7 @@
           <a:p>
             <a:fld id="{2AECC169-8D99-43BA-9020-AC448D8397CC}" type="datetimeFigureOut">
               <a:rPr lang="en-US" smtClean="0"/>
-              <a:t>6/27/2025</a:t>
+              <a:t>9/9/2025</a:t>
             </a:fld>
             <a:endParaRPr lang="en-US"/>
           </a:p>
@@ -1145,7 +1145,7 @@
           <a:p>
             <a:fld id="{2AECC169-8D99-43BA-9020-AC448D8397CC}" type="datetimeFigureOut">
               <a:rPr lang="en-US" smtClean="0"/>
-              <a:t>6/27/2025</a:t>
+              <a:t>9/9/2025</a:t>
             </a:fld>
             <a:endParaRPr lang="en-US"/>
           </a:p>
@@ -1410,7 +1410,7 @@
           <a:p>
             <a:fld id="{2AECC169-8D99-43BA-9020-AC448D8397CC}" type="datetimeFigureOut">
               <a:rPr lang="en-US" smtClean="0"/>
-              <a:t>6/27/2025</a:t>
+              <a:t>9/9/2025</a:t>
             </a:fld>
             <a:endParaRPr lang="en-US"/>
           </a:p>
@@ -1822,7 +1822,7 @@
           <a:p>
             <a:fld id="{2AECC169-8D99-43BA-9020-AC448D8397CC}" type="datetimeFigureOut">
               <a:rPr lang="en-US" smtClean="0"/>
-              <a:t>6/27/2025</a:t>
+              <a:t>9/9/2025</a:t>
             </a:fld>
             <a:endParaRPr lang="en-US"/>
           </a:p>
@@ -1963,7 +1963,7 @@
           <a:p>
             <a:fld id="{2AECC169-8D99-43BA-9020-AC448D8397CC}" type="datetimeFigureOut">
               <a:rPr lang="en-US" smtClean="0"/>
-              <a:t>6/27/2025</a:t>
+              <a:t>9/9/2025</a:t>
             </a:fld>
             <a:endParaRPr lang="en-US"/>
           </a:p>
@@ -2076,7 +2076,7 @@
           <a:p>
             <a:fld id="{2AECC169-8D99-43BA-9020-AC448D8397CC}" type="datetimeFigureOut">
               <a:rPr lang="en-US" smtClean="0"/>
-              <a:t>6/27/2025</a:t>
+              <a:t>9/9/2025</a:t>
             </a:fld>
             <a:endParaRPr lang="en-US"/>
           </a:p>
@@ -2387,7 +2387,7 @@
           <a:p>
             <a:fld id="{2AECC169-8D99-43BA-9020-AC448D8397CC}" type="datetimeFigureOut">
               <a:rPr lang="en-US" smtClean="0"/>
-              <a:t>6/27/2025</a:t>
+              <a:t>9/9/2025</a:t>
             </a:fld>
             <a:endParaRPr lang="en-US"/>
           </a:p>
@@ -2675,7 +2675,7 @@
           <a:p>
             <a:fld id="{2AECC169-8D99-43BA-9020-AC448D8397CC}" type="datetimeFigureOut">
               <a:rPr lang="en-US" smtClean="0"/>
-              <a:t>6/27/2025</a:t>
+              <a:t>9/9/2025</a:t>
             </a:fld>
             <a:endParaRPr lang="en-US"/>
           </a:p>
@@ -2916,7 +2916,7 @@
           <a:p>
             <a:fld id="{2AECC169-8D99-43BA-9020-AC448D8397CC}" type="datetimeFigureOut">
               <a:rPr lang="en-US" smtClean="0"/>
-              <a:t>6/27/2025</a:t>
+              <a:t>9/9/2025</a:t>
             </a:fld>
             <a:endParaRPr lang="en-US"/>
           </a:p>
@@ -5469,7 +5469,7 @@
         </p:nvCxnSpPr>
         <p:spPr>
           <a:xfrm>
-            <a:off x="1477414" y="5172637"/>
+            <a:off x="2887114" y="4213022"/>
             <a:ext cx="10216" cy="933266"/>
           </a:xfrm>
           <a:prstGeom prst="straightConnector1">
@@ -5513,7 +5513,7 @@
         </p:nvCxnSpPr>
         <p:spPr>
           <a:xfrm rot="5400000">
-            <a:off x="4434114" y="-426736"/>
+            <a:off x="5843814" y="-1386351"/>
             <a:ext cx="563979" cy="6477379"/>
           </a:xfrm>
           <a:prstGeom prst="bentConnector2">
@@ -5554,7 +5554,7 @@
         </p:nvGrpSpPr>
         <p:grpSpPr>
           <a:xfrm>
-            <a:off x="-1409700" y="962164"/>
+            <a:off x="0" y="2549"/>
             <a:ext cx="5774227" cy="1567800"/>
             <a:chOff x="1032139" y="519526"/>
             <a:chExt cx="5774227" cy="1796400"/>
@@ -5912,7 +5912,7 @@
         </p:nvGrpSpPr>
         <p:grpSpPr>
           <a:xfrm>
-            <a:off x="5066258" y="962163"/>
+            <a:off x="6475958" y="2548"/>
             <a:ext cx="6218010" cy="1567988"/>
             <a:chOff x="7508096" y="531883"/>
             <a:chExt cx="6218010" cy="1796616"/>
@@ -6427,7 +6427,7 @@
         </p:nvCxnSpPr>
         <p:spPr>
           <a:xfrm>
-            <a:off x="1477414" y="2529964"/>
+            <a:off x="2887114" y="1570349"/>
             <a:ext cx="0" cy="1074873"/>
           </a:xfrm>
           <a:prstGeom prst="straightConnector1">
@@ -6469,7 +6469,7 @@
         </p:nvGrpSpPr>
         <p:grpSpPr>
           <a:xfrm>
-            <a:off x="-1409699" y="3604839"/>
+            <a:off x="1" y="2645224"/>
             <a:ext cx="5774226" cy="1567801"/>
             <a:chOff x="1032139" y="4024726"/>
             <a:chExt cx="5774226" cy="1796400"/>
@@ -6824,7 +6824,7 @@
         </p:nvGrpSpPr>
         <p:grpSpPr>
           <a:xfrm>
-            <a:off x="-1399570" y="6105907"/>
+            <a:off x="10130" y="5146292"/>
             <a:ext cx="5774400" cy="1567801"/>
             <a:chOff x="1032139" y="6855754"/>
             <a:chExt cx="5774400" cy="1796400"/>
@@ -7221,7 +7221,7 @@
         </p:nvGrpSpPr>
         <p:grpSpPr>
           <a:xfrm>
-            <a:off x="5066258" y="3604621"/>
+            <a:off x="6475958" y="2645006"/>
             <a:ext cx="6218010" cy="1567988"/>
             <a:chOff x="7508096" y="527484"/>
             <a:chExt cx="6218010" cy="1796616"/>
@@ -7700,23 +7700,6 @@
                 <a:tabLst/>
                 <a:defRPr/>
               </a:pPr>
-              <a:r>
-                <a:rPr kumimoji="0" lang="nb-NO" sz="2800" b="1" i="0" u="none" strike="noStrike" kern="1200" cap="none" spc="0" normalizeH="0" baseline="0" noProof="0" dirty="0">
-                  <a:ln>
-                    <a:noFill/>
-                  </a:ln>
-                  <a:solidFill>
-                    <a:prstClr val="white"/>
-                  </a:solidFill>
-                  <a:effectLst/>
-                  <a:uLnTx/>
-                  <a:uFillTx/>
-                  <a:latin typeface="Calibri" panose="020F0502020204030204" pitchFamily="34" charset="0"/>
-                  <a:ea typeface="+mn-ea"/>
-                  <a:cs typeface="Calibri" panose="020F0502020204030204" pitchFamily="34" charset="0"/>
-                </a:rPr>
-                <a:t>D</a:t>
-              </a:r>
               <a:endParaRPr kumimoji="0" lang="nb-NO" sz="2700" b="0" i="0" u="none" strike="noStrike" kern="1200" cap="none" spc="0" normalizeH="0" baseline="0" noProof="0" dirty="0">
                 <a:ln>
                   <a:noFill/>
@@ -7751,7 +7734,7 @@
         </p:nvCxnSpPr>
         <p:spPr>
           <a:xfrm rot="5400000">
-            <a:off x="4492831" y="2165654"/>
+            <a:off x="5902531" y="1206039"/>
             <a:ext cx="451913" cy="6465825"/>
           </a:xfrm>
           <a:prstGeom prst="bentConnector2">
@@ -7792,7 +7775,7 @@
         </p:nvGrpSpPr>
         <p:grpSpPr>
           <a:xfrm>
-            <a:off x="9282006" y="1148000"/>
+            <a:off x="10691706" y="188385"/>
             <a:ext cx="1337025" cy="1132298"/>
             <a:chOff x="6477000" y="2095500"/>
             <a:chExt cx="1117270" cy="853599"/>
@@ -8151,7 +8134,7 @@
         </p:nvGrpSpPr>
         <p:grpSpPr>
           <a:xfrm>
-            <a:off x="2659135" y="1165126"/>
+            <a:off x="4068835" y="205511"/>
             <a:ext cx="1351619" cy="1124337"/>
             <a:chOff x="8603622" y="723900"/>
             <a:chExt cx="1351619" cy="1124337"/>
@@ -11149,13 +11132,7 @@
         </p:nvPicPr>
         <p:blipFill>
           <a:blip r:embed="rId2" cstate="print">
-            <a:duotone>
-              <a:schemeClr val="accent4">
-                <a:shade val="45000"/>
-                <a:satMod val="135000"/>
-              </a:schemeClr>
-              <a:prstClr val="white"/>
-            </a:duotone>
+            <a:biLevel thresh="25000"/>
             <a:extLst>
               <a:ext uri="{28A0092B-C50C-407E-A947-70E740481C1C}">
                 <a14:useLocalDpi xmlns:a14="http://schemas.microsoft.com/office/drawing/2010/main" val="0"/>
@@ -11167,7 +11144,7 @@
         </p:blipFill>
         <p:spPr>
           <a:xfrm>
-            <a:off x="2584143" y="4002517"/>
+            <a:off x="3993843" y="3042902"/>
             <a:ext cx="414452" cy="870030"/>
           </a:xfrm>
           <a:prstGeom prst="rect">
@@ -11191,14 +11168,17 @@
         </p:nvPicPr>
         <p:blipFill>
           <a:blip r:embed="rId3" cstate="print">
-            <a:duotone>
-              <a:schemeClr val="accent4">
-                <a:shade val="45000"/>
-                <a:satMod val="135000"/>
-              </a:schemeClr>
-              <a:prstClr val="white"/>
-            </a:duotone>
+            <a:biLevel thresh="50000"/>
             <a:extLst>
+              <a:ext uri="{BEBA8EAE-BF5A-486C-A8C5-ECC9F3942E4B}">
+                <a14:imgProps xmlns:a14="http://schemas.microsoft.com/office/drawing/2010/main">
+                  <a14:imgLayer r:embed="rId4">
+                    <a14:imgEffect>
+                      <a14:colorTemperature colorTemp="10472"/>
+                    </a14:imgEffect>
+                  </a14:imgLayer>
+                </a14:imgProps>
+              </a:ext>
               <a:ext uri="{28A0092B-C50C-407E-A947-70E740481C1C}">
                 <a14:useLocalDpi xmlns:a14="http://schemas.microsoft.com/office/drawing/2010/main" val="0"/>
               </a:ext>
@@ -11210,7 +11190,7 @@
         </p:blipFill>
         <p:spPr>
           <a:xfrm>
-            <a:off x="2998595" y="3997219"/>
+            <a:off x="4408295" y="3037604"/>
             <a:ext cx="452633" cy="854244"/>
           </a:xfrm>
           <a:prstGeom prst="rect">
@@ -11233,14 +11213,8 @@
           <p:nvPr/>
         </p:nvPicPr>
         <p:blipFill>
-          <a:blip r:embed="rId4" cstate="print">
-            <a:duotone>
-              <a:schemeClr val="bg2">
-                <a:shade val="45000"/>
-                <a:satMod val="135000"/>
-              </a:schemeClr>
-              <a:prstClr val="white"/>
-            </a:duotone>
+          <a:blip r:embed="rId5" cstate="print">
+            <a:lum bright="70000" contrast="-70000"/>
             <a:extLst>
               <a:ext uri="{28A0092B-C50C-407E-A947-70E740481C1C}">
                 <a14:useLocalDpi xmlns:a14="http://schemas.microsoft.com/office/drawing/2010/main" val="0"/>
@@ -11253,7 +11227,7 @@
         </p:blipFill>
         <p:spPr>
           <a:xfrm>
-            <a:off x="3474162" y="3991246"/>
+            <a:off x="4883862" y="3031631"/>
             <a:ext cx="427123" cy="854246"/>
           </a:xfrm>
           <a:prstGeom prst="rect">
@@ -11277,13 +11251,7 @@
         </p:nvPicPr>
         <p:blipFill>
           <a:blip r:embed="rId2" cstate="print">
-            <a:duotone>
-              <a:schemeClr val="accent4">
-                <a:shade val="45000"/>
-                <a:satMod val="135000"/>
-              </a:schemeClr>
-              <a:prstClr val="white"/>
-            </a:duotone>
+            <a:biLevel thresh="50000"/>
             <a:extLst>
               <a:ext uri="{28A0092B-C50C-407E-A947-70E740481C1C}">
                 <a14:useLocalDpi xmlns:a14="http://schemas.microsoft.com/office/drawing/2010/main" val="0"/>
@@ -11295,7 +11263,7 @@
         </p:blipFill>
         <p:spPr>
           <a:xfrm>
-            <a:off x="8891568" y="3987583"/>
+            <a:off x="10301268" y="3027968"/>
             <a:ext cx="414452" cy="870030"/>
           </a:xfrm>
           <a:prstGeom prst="rect">
@@ -11318,14 +11286,8 @@
           <p:nvPr/>
         </p:nvPicPr>
         <p:blipFill>
-          <a:blip r:embed="rId3" cstate="print">
-            <a:duotone>
-              <a:schemeClr val="accent4">
-                <a:shade val="45000"/>
-                <a:satMod val="135000"/>
-              </a:schemeClr>
-              <a:prstClr val="white"/>
-            </a:duotone>
+          <a:blip r:embed="rId6" cstate="print">
+            <a:biLevel thresh="50000"/>
             <a:extLst>
               <a:ext uri="{28A0092B-C50C-407E-A947-70E740481C1C}">
                 <a14:useLocalDpi xmlns:a14="http://schemas.microsoft.com/office/drawing/2010/main" val="0"/>
@@ -11338,7 +11300,7 @@
         </p:blipFill>
         <p:spPr>
           <a:xfrm>
-            <a:off x="9306020" y="3982285"/>
+            <a:off x="10715720" y="3022670"/>
             <a:ext cx="452633" cy="854244"/>
           </a:xfrm>
           <a:prstGeom prst="rect">
@@ -11361,14 +11323,8 @@
           <p:nvPr/>
         </p:nvPicPr>
         <p:blipFill>
-          <a:blip r:embed="rId4" cstate="print">
-            <a:duotone>
-              <a:schemeClr val="accent4">
-                <a:shade val="45000"/>
-                <a:satMod val="135000"/>
-              </a:schemeClr>
-              <a:prstClr val="white"/>
-            </a:duotone>
+          <a:blip r:embed="rId5" cstate="print">
+            <a:biLevel thresh="50000"/>
             <a:extLst>
               <a:ext uri="{28A0092B-C50C-407E-A947-70E740481C1C}">
                 <a14:useLocalDpi xmlns:a14="http://schemas.microsoft.com/office/drawing/2010/main" val="0"/>
@@ -11381,7 +11337,7 @@
         </p:blipFill>
         <p:spPr>
           <a:xfrm>
-            <a:off x="9781587" y="3976312"/>
+            <a:off x="11191287" y="3016697"/>
             <a:ext cx="427123" cy="854246"/>
           </a:xfrm>
           <a:prstGeom prst="rect">
@@ -11405,13 +11361,7 @@
         </p:nvPicPr>
         <p:blipFill>
           <a:blip r:embed="rId2" cstate="print">
-            <a:duotone>
-              <a:schemeClr val="bg2">
-                <a:shade val="45000"/>
-                <a:satMod val="135000"/>
-              </a:schemeClr>
-              <a:prstClr val="white"/>
-            </a:duotone>
+            <a:lum bright="70000" contrast="-70000"/>
             <a:extLst>
               <a:ext uri="{28A0092B-C50C-407E-A947-70E740481C1C}">
                 <a14:useLocalDpi xmlns:a14="http://schemas.microsoft.com/office/drawing/2010/main" val="0"/>
@@ -11423,7 +11373,7 @@
         </p:blipFill>
         <p:spPr>
           <a:xfrm>
-            <a:off x="3883200" y="3974306"/>
+            <a:off x="5292900" y="3014691"/>
             <a:ext cx="414452" cy="870030"/>
           </a:xfrm>
           <a:prstGeom prst="rect">
@@ -11447,13 +11397,7 @@
         </p:nvPicPr>
         <p:blipFill>
           <a:blip r:embed="rId2" cstate="print">
-            <a:duotone>
-              <a:schemeClr val="accent4">
-                <a:shade val="45000"/>
-                <a:satMod val="135000"/>
-              </a:schemeClr>
-              <a:prstClr val="white"/>
-            </a:duotone>
+            <a:biLevel thresh="50000"/>
             <a:extLst>
               <a:ext uri="{28A0092B-C50C-407E-A947-70E740481C1C}">
                 <a14:useLocalDpi xmlns:a14="http://schemas.microsoft.com/office/drawing/2010/main" val="0"/>
@@ -11465,7 +11409,7 @@
         </p:blipFill>
         <p:spPr>
           <a:xfrm>
-            <a:off x="10177821" y="3966359"/>
+            <a:off x="11587521" y="3006744"/>
             <a:ext cx="414452" cy="870030"/>
           </a:xfrm>
           <a:prstGeom prst="rect">
@@ -11489,13 +11433,7 @@
         </p:nvPicPr>
         <p:blipFill>
           <a:blip r:embed="rId2" cstate="print">
-            <a:duotone>
-              <a:schemeClr val="accent4">
-                <a:shade val="45000"/>
-                <a:satMod val="135000"/>
-              </a:schemeClr>
-              <a:prstClr val="white"/>
-            </a:duotone>
+            <a:biLevel thresh="25000"/>
             <a:extLst>
               <a:ext uri="{28A0092B-C50C-407E-A947-70E740481C1C}">
                 <a14:useLocalDpi xmlns:a14="http://schemas.microsoft.com/office/drawing/2010/main" val="0"/>
@@ -11507,7 +11445,7 @@
         </p:blipFill>
         <p:spPr>
           <a:xfrm>
-            <a:off x="2534708" y="6436176"/>
+            <a:off x="3944408" y="5476561"/>
             <a:ext cx="414452" cy="870030"/>
           </a:xfrm>
           <a:prstGeom prst="rect">
@@ -11530,14 +11468,8 @@
           <p:nvPr/>
         </p:nvPicPr>
         <p:blipFill>
-          <a:blip r:embed="rId3" cstate="print">
-            <a:duotone>
-              <a:schemeClr val="accent4">
-                <a:shade val="45000"/>
-                <a:satMod val="135000"/>
-              </a:schemeClr>
-              <a:prstClr val="white"/>
-            </a:duotone>
+          <a:blip r:embed="rId6" cstate="print">
+            <a:biLevel thresh="25000"/>
             <a:extLst>
               <a:ext uri="{28A0092B-C50C-407E-A947-70E740481C1C}">
                 <a14:useLocalDpi xmlns:a14="http://schemas.microsoft.com/office/drawing/2010/main" val="0"/>
@@ -11550,7 +11482,7 @@
         </p:blipFill>
         <p:spPr>
           <a:xfrm>
-            <a:off x="2949160" y="6430878"/>
+            <a:off x="4358860" y="5471263"/>
             <a:ext cx="452633" cy="854244"/>
           </a:xfrm>
           <a:prstGeom prst="rect">
@@ -11572,7 +11504,7 @@
         </p:nvSpPr>
         <p:spPr>
           <a:xfrm>
-            <a:off x="5066258" y="4743470"/>
+            <a:off x="6475958" y="3783855"/>
             <a:ext cx="7624782" cy="400110"/>
           </a:xfrm>
           <a:prstGeom prst="rect">
@@ -11731,6 +11663,741 @@
   <p:clrMapOvr>
     <a:masterClrMapping/>
   </p:clrMapOvr>
+  <p:timing>
+    <p:tnLst>
+      <p:par>
+        <p:cTn id="1" dur="indefinite" restart="never" nodeType="tmRoot">
+          <p:childTnLst>
+            <p:seq concurrent="1" nextAc="seek">
+              <p:cTn id="2" dur="indefinite" nodeType="mainSeq">
+                <p:childTnLst>
+                  <p:par>
+                    <p:cTn id="3" fill="hold">
+                      <p:stCondLst>
+                        <p:cond delay="indefinite"/>
+                      </p:stCondLst>
+                      <p:childTnLst>
+                        <p:par>
+                          <p:cTn id="4" fill="hold">
+                            <p:stCondLst>
+                              <p:cond delay="0"/>
+                            </p:stCondLst>
+                            <p:childTnLst>
+                              <p:par>
+                                <p:cTn id="5" presetID="1" presetClass="entr" presetSubtype="0" fill="hold" nodeType="clickEffect">
+                                  <p:stCondLst>
+                                    <p:cond delay="0"/>
+                                  </p:stCondLst>
+                                  <p:childTnLst>
+                                    <p:set>
+                                      <p:cBhvr>
+                                        <p:cTn id="6" dur="1" fill="hold">
+                                          <p:stCondLst>
+                                            <p:cond delay="0"/>
+                                          </p:stCondLst>
+                                        </p:cTn>
+                                        <p:tgtEl>
+                                          <p:spTgt spid="8"/>
+                                        </p:tgtEl>
+                                        <p:attrNameLst>
+                                          <p:attrName>style.visibility</p:attrName>
+                                        </p:attrNameLst>
+                                      </p:cBhvr>
+                                      <p:to>
+                                        <p:strVal val="visible"/>
+                                      </p:to>
+                                    </p:set>
+                                  </p:childTnLst>
+                                </p:cTn>
+                              </p:par>
+                              <p:par>
+                                <p:cTn id="7" presetID="1" presetClass="entr" presetSubtype="0" fill="hold" nodeType="withEffect">
+                                  <p:stCondLst>
+                                    <p:cond delay="0"/>
+                                  </p:stCondLst>
+                                  <p:childTnLst>
+                                    <p:set>
+                                      <p:cBhvr>
+                                        <p:cTn id="8" dur="1" fill="hold">
+                                          <p:stCondLst>
+                                            <p:cond delay="0"/>
+                                          </p:stCondLst>
+                                        </p:cTn>
+                                        <p:tgtEl>
+                                          <p:spTgt spid="16"/>
+                                        </p:tgtEl>
+                                        <p:attrNameLst>
+                                          <p:attrName>style.visibility</p:attrName>
+                                        </p:attrNameLst>
+                                      </p:cBhvr>
+                                      <p:to>
+                                        <p:strVal val="visible"/>
+                                      </p:to>
+                                    </p:set>
+                                  </p:childTnLst>
+                                </p:cTn>
+                              </p:par>
+                              <p:par>
+                                <p:cTn id="9" presetID="1" presetClass="entr" presetSubtype="0" fill="hold" nodeType="withEffect">
+                                  <p:stCondLst>
+                                    <p:cond delay="0"/>
+                                  </p:stCondLst>
+                                  <p:childTnLst>
+                                    <p:set>
+                                      <p:cBhvr>
+                                        <p:cTn id="10" dur="1" fill="hold">
+                                          <p:stCondLst>
+                                            <p:cond delay="0"/>
+                                          </p:stCondLst>
+                                        </p:cTn>
+                                        <p:tgtEl>
+                                          <p:spTgt spid="15"/>
+                                        </p:tgtEl>
+                                        <p:attrNameLst>
+                                          <p:attrName>style.visibility</p:attrName>
+                                        </p:attrNameLst>
+                                      </p:cBhvr>
+                                      <p:to>
+                                        <p:strVal val="visible"/>
+                                      </p:to>
+                                    </p:set>
+                                  </p:childTnLst>
+                                </p:cTn>
+                              </p:par>
+                              <p:par>
+                                <p:cTn id="11" presetID="1" presetClass="entr" presetSubtype="0" fill="hold" nodeType="withEffect">
+                                  <p:stCondLst>
+                                    <p:cond delay="0"/>
+                                  </p:stCondLst>
+                                  <p:childTnLst>
+                                    <p:set>
+                                      <p:cBhvr>
+                                        <p:cTn id="12" dur="1" fill="hold">
+                                          <p:stCondLst>
+                                            <p:cond delay="0"/>
+                                          </p:stCondLst>
+                                        </p:cTn>
+                                        <p:tgtEl>
+                                          <p:spTgt spid="9"/>
+                                        </p:tgtEl>
+                                        <p:attrNameLst>
+                                          <p:attrName>style.visibility</p:attrName>
+                                        </p:attrNameLst>
+                                      </p:cBhvr>
+                                      <p:to>
+                                        <p:strVal val="visible"/>
+                                      </p:to>
+                                    </p:set>
+                                  </p:childTnLst>
+                                </p:cTn>
+                              </p:par>
+                            </p:childTnLst>
+                          </p:cTn>
+                        </p:par>
+                      </p:childTnLst>
+                    </p:cTn>
+                  </p:par>
+                  <p:par>
+                    <p:cTn id="13" fill="hold">
+                      <p:stCondLst>
+                        <p:cond delay="indefinite"/>
+                      </p:stCondLst>
+                      <p:childTnLst>
+                        <p:par>
+                          <p:cTn id="14" fill="hold">
+                            <p:stCondLst>
+                              <p:cond delay="0"/>
+                            </p:stCondLst>
+                            <p:childTnLst>
+                              <p:par>
+                                <p:cTn id="15" presetID="1" presetClass="entr" presetSubtype="0" fill="hold" nodeType="clickEffect">
+                                  <p:stCondLst>
+                                    <p:cond delay="0"/>
+                                  </p:stCondLst>
+                                  <p:childTnLst>
+                                    <p:set>
+                                      <p:cBhvr>
+                                        <p:cTn id="16" dur="1" fill="hold">
+                                          <p:stCondLst>
+                                            <p:cond delay="0"/>
+                                          </p:stCondLst>
+                                        </p:cTn>
+                                        <p:tgtEl>
+                                          <p:spTgt spid="6"/>
+                                        </p:tgtEl>
+                                        <p:attrNameLst>
+                                          <p:attrName>style.visibility</p:attrName>
+                                        </p:attrNameLst>
+                                      </p:cBhvr>
+                                      <p:to>
+                                        <p:strVal val="visible"/>
+                                      </p:to>
+                                    </p:set>
+                                  </p:childTnLst>
+                                </p:cTn>
+                              </p:par>
+                              <p:par>
+                                <p:cTn id="17" presetID="1" presetClass="entr" presetSubtype="0" fill="hold" nodeType="withEffect">
+                                  <p:stCondLst>
+                                    <p:cond delay="0"/>
+                                  </p:stCondLst>
+                                  <p:childTnLst>
+                                    <p:set>
+                                      <p:cBhvr>
+                                        <p:cTn id="18" dur="1" fill="hold">
+                                          <p:stCondLst>
+                                            <p:cond delay="0"/>
+                                          </p:stCondLst>
+                                        </p:cTn>
+                                        <p:tgtEl>
+                                          <p:spTgt spid="10"/>
+                                        </p:tgtEl>
+                                        <p:attrNameLst>
+                                          <p:attrName>style.visibility</p:attrName>
+                                        </p:attrNameLst>
+                                      </p:cBhvr>
+                                      <p:to>
+                                        <p:strVal val="visible"/>
+                                      </p:to>
+                                    </p:set>
+                                  </p:childTnLst>
+                                </p:cTn>
+                              </p:par>
+                            </p:childTnLst>
+                          </p:cTn>
+                        </p:par>
+                      </p:childTnLst>
+                    </p:cTn>
+                  </p:par>
+                  <p:par>
+                    <p:cTn id="19" fill="hold">
+                      <p:stCondLst>
+                        <p:cond delay="indefinite"/>
+                      </p:stCondLst>
+                      <p:childTnLst>
+                        <p:par>
+                          <p:cTn id="20" fill="hold">
+                            <p:stCondLst>
+                              <p:cond delay="0"/>
+                            </p:stCondLst>
+                            <p:childTnLst>
+                              <p:par>
+                                <p:cTn id="21" presetID="1" presetClass="entr" presetSubtype="0" fill="hold" nodeType="clickEffect">
+                                  <p:stCondLst>
+                                    <p:cond delay="0"/>
+                                  </p:stCondLst>
+                                  <p:childTnLst>
+                                    <p:set>
+                                      <p:cBhvr>
+                                        <p:cTn id="22" dur="1" fill="hold">
+                                          <p:stCondLst>
+                                            <p:cond delay="0"/>
+                                          </p:stCondLst>
+                                        </p:cTn>
+                                        <p:tgtEl>
+                                          <p:spTgt spid="11"/>
+                                        </p:tgtEl>
+                                        <p:attrNameLst>
+                                          <p:attrName>style.visibility</p:attrName>
+                                        </p:attrNameLst>
+                                      </p:cBhvr>
+                                      <p:to>
+                                        <p:strVal val="visible"/>
+                                      </p:to>
+                                    </p:set>
+                                  </p:childTnLst>
+                                </p:cTn>
+                              </p:par>
+                              <p:par>
+                                <p:cTn id="23" presetID="1" presetClass="entr" presetSubtype="0" fill="hold" nodeType="withEffect">
+                                  <p:stCondLst>
+                                    <p:cond delay="0"/>
+                                  </p:stCondLst>
+                                  <p:childTnLst>
+                                    <p:set>
+                                      <p:cBhvr>
+                                        <p:cTn id="24" dur="1" fill="hold">
+                                          <p:stCondLst>
+                                            <p:cond delay="0"/>
+                                          </p:stCondLst>
+                                        </p:cTn>
+                                        <p:tgtEl>
+                                          <p:spTgt spid="85"/>
+                                        </p:tgtEl>
+                                        <p:attrNameLst>
+                                          <p:attrName>style.visibility</p:attrName>
+                                        </p:attrNameLst>
+                                      </p:cBhvr>
+                                      <p:to>
+                                        <p:strVal val="visible"/>
+                                      </p:to>
+                                    </p:set>
+                                  </p:childTnLst>
+                                </p:cTn>
+                              </p:par>
+                              <p:par>
+                                <p:cTn id="25" presetID="1" presetClass="entr" presetSubtype="0" fill="hold" nodeType="withEffect">
+                                  <p:stCondLst>
+                                    <p:cond delay="0"/>
+                                  </p:stCondLst>
+                                  <p:childTnLst>
+                                    <p:set>
+                                      <p:cBhvr>
+                                        <p:cTn id="26" dur="1" fill="hold">
+                                          <p:stCondLst>
+                                            <p:cond delay="0"/>
+                                          </p:stCondLst>
+                                        </p:cTn>
+                                        <p:tgtEl>
+                                          <p:spTgt spid="86"/>
+                                        </p:tgtEl>
+                                        <p:attrNameLst>
+                                          <p:attrName>style.visibility</p:attrName>
+                                        </p:attrNameLst>
+                                      </p:cBhvr>
+                                      <p:to>
+                                        <p:strVal val="visible"/>
+                                      </p:to>
+                                    </p:set>
+                                  </p:childTnLst>
+                                </p:cTn>
+                              </p:par>
+                              <p:par>
+                                <p:cTn id="27" presetID="1" presetClass="entr" presetSubtype="0" fill="hold" nodeType="withEffect">
+                                  <p:stCondLst>
+                                    <p:cond delay="0"/>
+                                  </p:stCondLst>
+                                  <p:childTnLst>
+                                    <p:set>
+                                      <p:cBhvr>
+                                        <p:cTn id="28" dur="1" fill="hold">
+                                          <p:stCondLst>
+                                            <p:cond delay="0"/>
+                                          </p:stCondLst>
+                                        </p:cTn>
+                                        <p:tgtEl>
+                                          <p:spTgt spid="87"/>
+                                        </p:tgtEl>
+                                        <p:attrNameLst>
+                                          <p:attrName>style.visibility</p:attrName>
+                                        </p:attrNameLst>
+                                      </p:cBhvr>
+                                      <p:to>
+                                        <p:strVal val="visible"/>
+                                      </p:to>
+                                    </p:set>
+                                  </p:childTnLst>
+                                </p:cTn>
+                              </p:par>
+                              <p:par>
+                                <p:cTn id="29" presetID="1" presetClass="entr" presetSubtype="0" fill="hold" nodeType="withEffect">
+                                  <p:stCondLst>
+                                    <p:cond delay="0"/>
+                                  </p:stCondLst>
+                                  <p:childTnLst>
+                                    <p:set>
+                                      <p:cBhvr>
+                                        <p:cTn id="30" dur="1" fill="hold">
+                                          <p:stCondLst>
+                                            <p:cond delay="0"/>
+                                          </p:stCondLst>
+                                        </p:cTn>
+                                        <p:tgtEl>
+                                          <p:spTgt spid="91"/>
+                                        </p:tgtEl>
+                                        <p:attrNameLst>
+                                          <p:attrName>style.visibility</p:attrName>
+                                        </p:attrNameLst>
+                                      </p:cBhvr>
+                                      <p:to>
+                                        <p:strVal val="visible"/>
+                                      </p:to>
+                                    </p:set>
+                                  </p:childTnLst>
+                                </p:cTn>
+                              </p:par>
+                            </p:childTnLst>
+                          </p:cTn>
+                        </p:par>
+                      </p:childTnLst>
+                    </p:cTn>
+                  </p:par>
+                  <p:par>
+                    <p:cTn id="31" fill="hold">
+                      <p:stCondLst>
+                        <p:cond delay="indefinite"/>
+                      </p:stCondLst>
+                      <p:childTnLst>
+                        <p:par>
+                          <p:cTn id="32" fill="hold">
+                            <p:stCondLst>
+                              <p:cond delay="0"/>
+                            </p:stCondLst>
+                            <p:childTnLst>
+                              <p:par>
+                                <p:cTn id="33" presetID="1" presetClass="entr" presetSubtype="0" fill="hold" nodeType="clickEffect">
+                                  <p:stCondLst>
+                                    <p:cond delay="0"/>
+                                  </p:stCondLst>
+                                  <p:childTnLst>
+                                    <p:set>
+                                      <p:cBhvr>
+                                        <p:cTn id="34" dur="1" fill="hold">
+                                          <p:stCondLst>
+                                            <p:cond delay="0"/>
+                                          </p:stCondLst>
+                                        </p:cTn>
+                                        <p:tgtEl>
+                                          <p:spTgt spid="13"/>
+                                        </p:tgtEl>
+                                        <p:attrNameLst>
+                                          <p:attrName>style.visibility</p:attrName>
+                                        </p:attrNameLst>
+                                      </p:cBhvr>
+                                      <p:to>
+                                        <p:strVal val="visible"/>
+                                      </p:to>
+                                    </p:set>
+                                  </p:childTnLst>
+                                </p:cTn>
+                              </p:par>
+                              <p:par>
+                                <p:cTn id="35" presetID="1" presetClass="entr" presetSubtype="0" fill="hold" grpId="0" nodeType="withEffect">
+                                  <p:stCondLst>
+                                    <p:cond delay="0"/>
+                                  </p:stCondLst>
+                                  <p:childTnLst>
+                                    <p:set>
+                                      <p:cBhvr>
+                                        <p:cTn id="36" dur="1" fill="hold">
+                                          <p:stCondLst>
+                                            <p:cond delay="0"/>
+                                          </p:stCondLst>
+                                        </p:cTn>
+                                        <p:tgtEl>
+                                          <p:spTgt spid="99"/>
+                                        </p:tgtEl>
+                                        <p:attrNameLst>
+                                          <p:attrName>style.visibility</p:attrName>
+                                        </p:attrNameLst>
+                                      </p:cBhvr>
+                                      <p:to>
+                                        <p:strVal val="visible"/>
+                                      </p:to>
+                                    </p:set>
+                                  </p:childTnLst>
+                                </p:cTn>
+                              </p:par>
+                              <p:par>
+                                <p:cTn id="37" presetID="1" presetClass="entr" presetSubtype="0" fill="hold" nodeType="withEffect">
+                                  <p:stCondLst>
+                                    <p:cond delay="0"/>
+                                  </p:stCondLst>
+                                  <p:childTnLst>
+                                    <p:set>
+                                      <p:cBhvr>
+                                        <p:cTn id="38" dur="1" fill="hold">
+                                          <p:stCondLst>
+                                            <p:cond delay="0"/>
+                                          </p:stCondLst>
+                                        </p:cTn>
+                                        <p:tgtEl>
+                                          <p:spTgt spid="88"/>
+                                        </p:tgtEl>
+                                        <p:attrNameLst>
+                                          <p:attrName>style.visibility</p:attrName>
+                                        </p:attrNameLst>
+                                      </p:cBhvr>
+                                      <p:to>
+                                        <p:strVal val="visible"/>
+                                      </p:to>
+                                    </p:set>
+                                  </p:childTnLst>
+                                </p:cTn>
+                              </p:par>
+                              <p:par>
+                                <p:cTn id="39" presetID="1" presetClass="entr" presetSubtype="0" fill="hold" nodeType="withEffect">
+                                  <p:stCondLst>
+                                    <p:cond delay="0"/>
+                                  </p:stCondLst>
+                                  <p:childTnLst>
+                                    <p:set>
+                                      <p:cBhvr>
+                                        <p:cTn id="40" dur="1" fill="hold">
+                                          <p:stCondLst>
+                                            <p:cond delay="0"/>
+                                          </p:stCondLst>
+                                        </p:cTn>
+                                        <p:tgtEl>
+                                          <p:spTgt spid="89"/>
+                                        </p:tgtEl>
+                                        <p:attrNameLst>
+                                          <p:attrName>style.visibility</p:attrName>
+                                        </p:attrNameLst>
+                                      </p:cBhvr>
+                                      <p:to>
+                                        <p:strVal val="visible"/>
+                                      </p:to>
+                                    </p:set>
+                                  </p:childTnLst>
+                                </p:cTn>
+                              </p:par>
+                              <p:par>
+                                <p:cTn id="41" presetID="1" presetClass="entr" presetSubtype="0" fill="hold" nodeType="withEffect">
+                                  <p:stCondLst>
+                                    <p:cond delay="0"/>
+                                  </p:stCondLst>
+                                  <p:childTnLst>
+                                    <p:set>
+                                      <p:cBhvr>
+                                        <p:cTn id="42" dur="1" fill="hold">
+                                          <p:stCondLst>
+                                            <p:cond delay="0"/>
+                                          </p:stCondLst>
+                                        </p:cTn>
+                                        <p:tgtEl>
+                                          <p:spTgt spid="90"/>
+                                        </p:tgtEl>
+                                        <p:attrNameLst>
+                                          <p:attrName>style.visibility</p:attrName>
+                                        </p:attrNameLst>
+                                      </p:cBhvr>
+                                      <p:to>
+                                        <p:strVal val="visible"/>
+                                      </p:to>
+                                    </p:set>
+                                  </p:childTnLst>
+                                </p:cTn>
+                              </p:par>
+                              <p:par>
+                                <p:cTn id="43" presetID="1" presetClass="entr" presetSubtype="0" fill="hold" nodeType="withEffect">
+                                  <p:stCondLst>
+                                    <p:cond delay="0"/>
+                                  </p:stCondLst>
+                                  <p:childTnLst>
+                                    <p:set>
+                                      <p:cBhvr>
+                                        <p:cTn id="44" dur="1" fill="hold">
+                                          <p:stCondLst>
+                                            <p:cond delay="0"/>
+                                          </p:stCondLst>
+                                        </p:cTn>
+                                        <p:tgtEl>
+                                          <p:spTgt spid="92"/>
+                                        </p:tgtEl>
+                                        <p:attrNameLst>
+                                          <p:attrName>style.visibility</p:attrName>
+                                        </p:attrNameLst>
+                                      </p:cBhvr>
+                                      <p:to>
+                                        <p:strVal val="visible"/>
+                                      </p:to>
+                                    </p:set>
+                                  </p:childTnLst>
+                                </p:cTn>
+                              </p:par>
+                            </p:childTnLst>
+                          </p:cTn>
+                        </p:par>
+                      </p:childTnLst>
+                    </p:cTn>
+                  </p:par>
+                  <p:par>
+                    <p:cTn id="45" fill="hold">
+                      <p:stCondLst>
+                        <p:cond delay="indefinite"/>
+                      </p:stCondLst>
+                      <p:childTnLst>
+                        <p:par>
+                          <p:cTn id="46" fill="hold">
+                            <p:stCondLst>
+                              <p:cond delay="0"/>
+                            </p:stCondLst>
+                            <p:childTnLst>
+                              <p:par>
+                                <p:cTn id="47" presetID="1" presetClass="entr" presetSubtype="0" fill="hold" nodeType="clickEffect">
+                                  <p:stCondLst>
+                                    <p:cond delay="0"/>
+                                  </p:stCondLst>
+                                  <p:childTnLst>
+                                    <p:set>
+                                      <p:cBhvr>
+                                        <p:cTn id="48" dur="1" fill="hold">
+                                          <p:stCondLst>
+                                            <p:cond delay="0"/>
+                                          </p:stCondLst>
+                                        </p:cTn>
+                                        <p:tgtEl>
+                                          <p:spTgt spid="14"/>
+                                        </p:tgtEl>
+                                        <p:attrNameLst>
+                                          <p:attrName>style.visibility</p:attrName>
+                                        </p:attrNameLst>
+                                      </p:cBhvr>
+                                      <p:to>
+                                        <p:strVal val="visible"/>
+                                      </p:to>
+                                    </p:set>
+                                  </p:childTnLst>
+                                </p:cTn>
+                              </p:par>
+                              <p:par>
+                                <p:cTn id="49" presetID="1" presetClass="entr" presetSubtype="0" fill="hold" nodeType="withEffect">
+                                  <p:stCondLst>
+                                    <p:cond delay="0"/>
+                                  </p:stCondLst>
+                                  <p:childTnLst>
+                                    <p:set>
+                                      <p:cBhvr>
+                                        <p:cTn id="50" dur="1" fill="hold">
+                                          <p:stCondLst>
+                                            <p:cond delay="0"/>
+                                          </p:stCondLst>
+                                        </p:cTn>
+                                        <p:tgtEl>
+                                          <p:spTgt spid="5"/>
+                                        </p:tgtEl>
+                                        <p:attrNameLst>
+                                          <p:attrName>style.visibility</p:attrName>
+                                        </p:attrNameLst>
+                                      </p:cBhvr>
+                                      <p:to>
+                                        <p:strVal val="visible"/>
+                                      </p:to>
+                                    </p:set>
+                                  </p:childTnLst>
+                                </p:cTn>
+                              </p:par>
+                            </p:childTnLst>
+                          </p:cTn>
+                        </p:par>
+                      </p:childTnLst>
+                    </p:cTn>
+                  </p:par>
+                  <p:par>
+                    <p:cTn id="51" fill="hold">
+                      <p:stCondLst>
+                        <p:cond delay="indefinite"/>
+                      </p:stCondLst>
+                      <p:childTnLst>
+                        <p:par>
+                          <p:cTn id="52" fill="hold">
+                            <p:stCondLst>
+                              <p:cond delay="0"/>
+                            </p:stCondLst>
+                            <p:childTnLst>
+                              <p:par>
+                                <p:cTn id="53" presetID="1" presetClass="entr" presetSubtype="0" fill="hold" nodeType="clickEffect">
+                                  <p:stCondLst>
+                                    <p:cond delay="0"/>
+                                  </p:stCondLst>
+                                  <p:childTnLst>
+                                    <p:set>
+                                      <p:cBhvr>
+                                        <p:cTn id="54" dur="1" fill="hold">
+                                          <p:stCondLst>
+                                            <p:cond delay="0"/>
+                                          </p:stCondLst>
+                                        </p:cTn>
+                                        <p:tgtEl>
+                                          <p:spTgt spid="12"/>
+                                        </p:tgtEl>
+                                        <p:attrNameLst>
+                                          <p:attrName>style.visibility</p:attrName>
+                                        </p:attrNameLst>
+                                      </p:cBhvr>
+                                      <p:to>
+                                        <p:strVal val="visible"/>
+                                      </p:to>
+                                    </p:set>
+                                  </p:childTnLst>
+                                </p:cTn>
+                              </p:par>
+                              <p:par>
+                                <p:cTn id="55" presetID="1" presetClass="entr" presetSubtype="0" fill="hold" nodeType="withEffect">
+                                  <p:stCondLst>
+                                    <p:cond delay="0"/>
+                                  </p:stCondLst>
+                                  <p:childTnLst>
+                                    <p:set>
+                                      <p:cBhvr>
+                                        <p:cTn id="56" dur="1" fill="hold">
+                                          <p:stCondLst>
+                                            <p:cond delay="0"/>
+                                          </p:stCondLst>
+                                        </p:cTn>
+                                        <p:tgtEl>
+                                          <p:spTgt spid="93"/>
+                                        </p:tgtEl>
+                                        <p:attrNameLst>
+                                          <p:attrName>style.visibility</p:attrName>
+                                        </p:attrNameLst>
+                                      </p:cBhvr>
+                                      <p:to>
+                                        <p:strVal val="visible"/>
+                                      </p:to>
+                                    </p:set>
+                                  </p:childTnLst>
+                                </p:cTn>
+                              </p:par>
+                              <p:par>
+                                <p:cTn id="57" presetID="1" presetClass="entr" presetSubtype="0" fill="hold" nodeType="withEffect">
+                                  <p:stCondLst>
+                                    <p:cond delay="0"/>
+                                  </p:stCondLst>
+                                  <p:childTnLst>
+                                    <p:set>
+                                      <p:cBhvr>
+                                        <p:cTn id="58" dur="1" fill="hold">
+                                          <p:stCondLst>
+                                            <p:cond delay="0"/>
+                                          </p:stCondLst>
+                                        </p:cTn>
+                                        <p:tgtEl>
+                                          <p:spTgt spid="94"/>
+                                        </p:tgtEl>
+                                        <p:attrNameLst>
+                                          <p:attrName>style.visibility</p:attrName>
+                                        </p:attrNameLst>
+                                      </p:cBhvr>
+                                      <p:to>
+                                        <p:strVal val="visible"/>
+                                      </p:to>
+                                    </p:set>
+                                  </p:childTnLst>
+                                </p:cTn>
+                              </p:par>
+                            </p:childTnLst>
+                          </p:cTn>
+                        </p:par>
+                      </p:childTnLst>
+                    </p:cTn>
+                  </p:par>
+                </p:childTnLst>
+              </p:cTn>
+              <p:prevCondLst>
+                <p:cond evt="onPrev" delay="0">
+                  <p:tgtEl>
+                    <p:sldTgt/>
+                  </p:tgtEl>
+                </p:cond>
+              </p:prevCondLst>
+              <p:nextCondLst>
+                <p:cond evt="onNext" delay="0">
+                  <p:tgtEl>
+                    <p:sldTgt/>
+                  </p:tgtEl>
+                </p:cond>
+              </p:nextCondLst>
+            </p:seq>
+          </p:childTnLst>
+        </p:cTn>
+      </p:par>
+    </p:tnLst>
+    <p:bldLst>
+      <p:bldP spid="99" grpId="0"/>
+    </p:bldLst>
+  </p:timing>
 </p:sld>
 </file>
 
@@ -11767,7 +12434,7 @@
         </p:nvCxnSpPr>
         <p:spPr>
           <a:xfrm rot="5400000">
-            <a:off x="5592830" y="-531580"/>
+            <a:off x="5814010" y="-549868"/>
             <a:ext cx="563979" cy="6477379"/>
           </a:xfrm>
           <a:prstGeom prst="bentConnector2">
@@ -11808,7 +12475,7 @@
         </p:nvGrpSpPr>
         <p:grpSpPr>
           <a:xfrm>
-            <a:off x="-250984" y="857131"/>
+            <a:off x="-29804" y="838843"/>
             <a:ext cx="5774227" cy="1567800"/>
             <a:chOff x="1032139" y="519526"/>
             <a:chExt cx="5774227" cy="1796400"/>
@@ -12166,7 +12833,7 @@
         </p:nvGrpSpPr>
         <p:grpSpPr>
           <a:xfrm>
-            <a:off x="6224974" y="857130"/>
+            <a:off x="6446154" y="838842"/>
             <a:ext cx="6218010" cy="1567988"/>
             <a:chOff x="7508096" y="531883"/>
             <a:chExt cx="6218010" cy="1796616"/>
@@ -12679,7 +13346,7 @@
         </p:nvCxnSpPr>
         <p:spPr>
           <a:xfrm>
-            <a:off x="2636130" y="2424931"/>
+            <a:off x="2857310" y="2406643"/>
             <a:ext cx="0" cy="1074873"/>
           </a:xfrm>
           <a:prstGeom prst="straightConnector1">
@@ -12721,7 +13388,7 @@
         </p:nvGrpSpPr>
         <p:grpSpPr>
           <a:xfrm>
-            <a:off x="-250983" y="3499804"/>
+            <a:off x="-29803" y="3481516"/>
             <a:ext cx="5774226" cy="1567800"/>
             <a:chOff x="1032139" y="4024726"/>
             <a:chExt cx="5774226" cy="1796400"/>
@@ -12867,7 +13534,7 @@
                 <a:defRPr/>
               </a:pPr>
               <a:r>
-                <a:rPr kumimoji="0" lang="en-US" sz="2800" b="0" i="1" u="none" strike="noStrike" kern="1200" cap="none" spc="0" normalizeH="0" baseline="0" noProof="0">
+                <a:rPr kumimoji="0" lang="en-US" sz="2800" b="0" i="1" u="none" strike="noStrike" kern="1200" cap="none" spc="0" normalizeH="0" baseline="0" noProof="0" dirty="0">
                   <a:ln>
                     <a:noFill/>
                   </a:ln>
@@ -12881,7 +13548,43 @@
                   <a:ea typeface="+mn-ea"/>
                   <a:cs typeface="+mn-cs"/>
                 </a:rPr>
-                <a:t>Number of cases due to exposure</a:t>
+                <a:t>Attributable </a:t>
+              </a:r>
+            </a:p>
+            <a:p>
+              <a:pPr marL="0" marR="0" lvl="0" indent="0" algn="l" defTabSz="1371600" rtl="0" eaLnBrk="1" fontAlgn="auto" latinLnBrk="0" hangingPunct="1">
+                <a:lnSpc>
+                  <a:spcPct val="100000"/>
+                </a:lnSpc>
+                <a:spcBef>
+                  <a:spcPts val="0"/>
+                </a:spcBef>
+                <a:spcAft>
+                  <a:spcPts val="0"/>
+                </a:spcAft>
+                <a:buClrTx/>
+                <a:buSzTx/>
+                <a:buFontTx/>
+                <a:buNone/>
+                <a:tabLst/>
+                <a:defRPr/>
+              </a:pPr>
+              <a:r>
+                <a:rPr kumimoji="0" lang="en-US" sz="2800" b="0" i="1" u="none" strike="noStrike" kern="1200" cap="none" spc="0" normalizeH="0" baseline="0" noProof="0" dirty="0">
+                  <a:ln>
+                    <a:noFill/>
+                  </a:ln>
+                  <a:solidFill>
+                    <a:prstClr val="black"/>
+                  </a:solidFill>
+                  <a:effectLst/>
+                  <a:uLnTx/>
+                  <a:uFillTx/>
+                  <a:latin typeface="Calibri" panose="020F0502020204030204"/>
+                  <a:ea typeface="+mn-ea"/>
+                  <a:cs typeface="+mn-cs"/>
+                </a:rPr>
+                <a:t>burden of disease</a:t>
               </a:r>
             </a:p>
           </p:txBody>
@@ -13076,7 +13779,7 @@
         </p:nvGrpSpPr>
         <p:grpSpPr>
           <a:xfrm>
-            <a:off x="10440722" y="1042967"/>
+            <a:off x="10661902" y="1024679"/>
             <a:ext cx="1337025" cy="1132298"/>
             <a:chOff x="6477000" y="2095500"/>
             <a:chExt cx="1117270" cy="853599"/>
@@ -13435,7 +14138,7 @@
         </p:nvGrpSpPr>
         <p:grpSpPr>
           <a:xfrm>
-            <a:off x="3817851" y="1060093"/>
+            <a:off x="4039031" y="1041805"/>
             <a:ext cx="1351619" cy="1124337"/>
             <a:chOff x="8603622" y="723900"/>
             <a:chExt cx="1351619" cy="1124337"/>
@@ -16433,13 +17136,7 @@
         </p:nvPicPr>
         <p:blipFill>
           <a:blip r:embed="rId2" cstate="print">
-            <a:duotone>
-              <a:schemeClr val="accent4">
-                <a:shade val="45000"/>
-                <a:satMod val="135000"/>
-              </a:schemeClr>
-              <a:prstClr val="white"/>
-            </a:duotone>
+            <a:biLevel thresh="25000"/>
             <a:extLst>
               <a:ext uri="{28A0092B-C50C-407E-A947-70E740481C1C}">
                 <a14:useLocalDpi xmlns:a14="http://schemas.microsoft.com/office/drawing/2010/main" val="0"/>
@@ -16451,7 +17148,7 @@
         </p:blipFill>
         <p:spPr>
           <a:xfrm>
-            <a:off x="3898396" y="3848231"/>
+            <a:off x="4119576" y="3829943"/>
             <a:ext cx="414452" cy="870030"/>
           </a:xfrm>
           <a:prstGeom prst="rect">
@@ -16475,13 +17172,7 @@
         </p:nvPicPr>
         <p:blipFill>
           <a:blip r:embed="rId3" cstate="print">
-            <a:duotone>
-              <a:schemeClr val="accent4">
-                <a:shade val="45000"/>
-                <a:satMod val="135000"/>
-              </a:schemeClr>
-              <a:prstClr val="white"/>
-            </a:duotone>
+            <a:biLevel thresh="25000"/>
             <a:extLst>
               <a:ext uri="{28A0092B-C50C-407E-A947-70E740481C1C}">
                 <a14:useLocalDpi xmlns:a14="http://schemas.microsoft.com/office/drawing/2010/main" val="0"/>
@@ -16494,7 +17185,7 @@
         </p:blipFill>
         <p:spPr>
           <a:xfrm>
-            <a:off x="4312848" y="3842933"/>
+            <a:off x="4534028" y="3824645"/>
             <a:ext cx="452633" cy="854244"/>
           </a:xfrm>
           <a:prstGeom prst="rect">
@@ -16518,13 +17209,7 @@
         </p:nvPicPr>
         <p:blipFill>
           <a:blip r:embed="rId4" cstate="print">
-            <a:duotone>
-              <a:schemeClr val="accent4">
-                <a:shade val="45000"/>
-                <a:satMod val="135000"/>
-              </a:schemeClr>
-              <a:prstClr val="white"/>
-            </a:duotone>
+            <a:biLevel thresh="25000"/>
             <a:extLst>
               <a:ext uri="{28A0092B-C50C-407E-A947-70E740481C1C}">
                 <a14:useLocalDpi xmlns:a14="http://schemas.microsoft.com/office/drawing/2010/main" val="0"/>
@@ -16537,7 +17222,7 @@
         </p:blipFill>
         <p:spPr>
           <a:xfrm>
-            <a:off x="4788415" y="3836960"/>
+            <a:off x="5009595" y="3818672"/>
             <a:ext cx="427123" cy="854246"/>
           </a:xfrm>
           <a:prstGeom prst="rect">
@@ -16555,6 +17240,360 @@
   <p:clrMapOvr>
     <a:masterClrMapping/>
   </p:clrMapOvr>
+  <p:timing>
+    <p:tnLst>
+      <p:par>
+        <p:cTn id="1" dur="indefinite" restart="never" nodeType="tmRoot">
+          <p:childTnLst>
+            <p:seq concurrent="1" nextAc="seek">
+              <p:cTn id="2" dur="indefinite" nodeType="mainSeq">
+                <p:childTnLst>
+                  <p:par>
+                    <p:cTn id="3" fill="hold">
+                      <p:stCondLst>
+                        <p:cond delay="indefinite"/>
+                      </p:stCondLst>
+                      <p:childTnLst>
+                        <p:par>
+                          <p:cTn id="4" fill="hold">
+                            <p:stCondLst>
+                              <p:cond delay="0"/>
+                            </p:stCondLst>
+                            <p:childTnLst>
+                              <p:par>
+                                <p:cTn id="5" presetID="1" presetClass="entr" presetSubtype="0" fill="hold" nodeType="clickEffect">
+                                  <p:stCondLst>
+                                    <p:cond delay="0"/>
+                                  </p:stCondLst>
+                                  <p:childTnLst>
+                                    <p:set>
+                                      <p:cBhvr>
+                                        <p:cTn id="6" dur="1" fill="hold">
+                                          <p:stCondLst>
+                                            <p:cond delay="0"/>
+                                          </p:stCondLst>
+                                        </p:cTn>
+                                        <p:tgtEl>
+                                          <p:spTgt spid="6"/>
+                                        </p:tgtEl>
+                                        <p:attrNameLst>
+                                          <p:attrName>style.visibility</p:attrName>
+                                        </p:attrNameLst>
+                                      </p:cBhvr>
+                                      <p:to>
+                                        <p:strVal val="visible"/>
+                                      </p:to>
+                                    </p:set>
+                                  </p:childTnLst>
+                                </p:cTn>
+                              </p:par>
+                              <p:par>
+                                <p:cTn id="7" presetID="1" presetClass="entr" presetSubtype="0" fill="hold" nodeType="withEffect">
+                                  <p:stCondLst>
+                                    <p:cond delay="0"/>
+                                  </p:stCondLst>
+                                  <p:childTnLst>
+                                    <p:set>
+                                      <p:cBhvr>
+                                        <p:cTn id="8" dur="1" fill="hold">
+                                          <p:stCondLst>
+                                            <p:cond delay="0"/>
+                                          </p:stCondLst>
+                                        </p:cTn>
+                                        <p:tgtEl>
+                                          <p:spTgt spid="13"/>
+                                        </p:tgtEl>
+                                        <p:attrNameLst>
+                                          <p:attrName>style.visibility</p:attrName>
+                                        </p:attrNameLst>
+                                      </p:cBhvr>
+                                      <p:to>
+                                        <p:strVal val="visible"/>
+                                      </p:to>
+                                    </p:set>
+                                  </p:childTnLst>
+                                </p:cTn>
+                              </p:par>
+                              <p:par>
+                                <p:cTn id="9" presetID="1" presetClass="entr" presetSubtype="0" fill="hold" nodeType="withEffect">
+                                  <p:stCondLst>
+                                    <p:cond delay="0"/>
+                                  </p:stCondLst>
+                                  <p:childTnLst>
+                                    <p:set>
+                                      <p:cBhvr>
+                                        <p:cTn id="10" dur="1" fill="hold">
+                                          <p:stCondLst>
+                                            <p:cond delay="0"/>
+                                          </p:stCondLst>
+                                        </p:cTn>
+                                        <p:tgtEl>
+                                          <p:spTgt spid="7"/>
+                                        </p:tgtEl>
+                                        <p:attrNameLst>
+                                          <p:attrName>style.visibility</p:attrName>
+                                        </p:attrNameLst>
+                                      </p:cBhvr>
+                                      <p:to>
+                                        <p:strVal val="visible"/>
+                                      </p:to>
+                                    </p:set>
+                                  </p:childTnLst>
+                                </p:cTn>
+                              </p:par>
+                              <p:par>
+                                <p:cTn id="11" presetID="1" presetClass="entr" presetSubtype="0" fill="hold" nodeType="withEffect">
+                                  <p:stCondLst>
+                                    <p:cond delay="0"/>
+                                  </p:stCondLst>
+                                  <p:childTnLst>
+                                    <p:set>
+                                      <p:cBhvr>
+                                        <p:cTn id="12" dur="1" fill="hold">
+                                          <p:stCondLst>
+                                            <p:cond delay="0"/>
+                                          </p:stCondLst>
+                                        </p:cTn>
+                                        <p:tgtEl>
+                                          <p:spTgt spid="12"/>
+                                        </p:tgtEl>
+                                        <p:attrNameLst>
+                                          <p:attrName>style.visibility</p:attrName>
+                                        </p:attrNameLst>
+                                      </p:cBhvr>
+                                      <p:to>
+                                        <p:strVal val="visible"/>
+                                      </p:to>
+                                    </p:set>
+                                  </p:childTnLst>
+                                </p:cTn>
+                              </p:par>
+                            </p:childTnLst>
+                          </p:cTn>
+                        </p:par>
+                      </p:childTnLst>
+                    </p:cTn>
+                  </p:par>
+                  <p:par>
+                    <p:cTn id="13" fill="hold">
+                      <p:stCondLst>
+                        <p:cond delay="indefinite"/>
+                      </p:stCondLst>
+                      <p:childTnLst>
+                        <p:par>
+                          <p:cTn id="14" fill="hold">
+                            <p:stCondLst>
+                              <p:cond delay="0"/>
+                            </p:stCondLst>
+                            <p:childTnLst>
+                              <p:par>
+                                <p:cTn id="15" presetID="1" presetClass="entr" presetSubtype="0" fill="hold" nodeType="clickEffect">
+                                  <p:stCondLst>
+                                    <p:cond delay="0"/>
+                                  </p:stCondLst>
+                                  <p:childTnLst>
+                                    <p:set>
+                                      <p:cBhvr>
+                                        <p:cTn id="16" dur="1" fill="hold">
+                                          <p:stCondLst>
+                                            <p:cond delay="0"/>
+                                          </p:stCondLst>
+                                        </p:cTn>
+                                        <p:tgtEl>
+                                          <p:spTgt spid="8"/>
+                                        </p:tgtEl>
+                                        <p:attrNameLst>
+                                          <p:attrName>style.visibility</p:attrName>
+                                        </p:attrNameLst>
+                                      </p:cBhvr>
+                                      <p:to>
+                                        <p:strVal val="visible"/>
+                                      </p:to>
+                                    </p:set>
+                                  </p:childTnLst>
+                                </p:cTn>
+                              </p:par>
+                              <p:par>
+                                <p:cTn id="17" presetID="1" presetClass="entr" presetSubtype="0" fill="hold" nodeType="withEffect">
+                                  <p:stCondLst>
+                                    <p:cond delay="0"/>
+                                  </p:stCondLst>
+                                  <p:childTnLst>
+                                    <p:set>
+                                      <p:cBhvr>
+                                        <p:cTn id="18" dur="1" fill="hold">
+                                          <p:stCondLst>
+                                            <p:cond delay="0"/>
+                                          </p:stCondLst>
+                                        </p:cTn>
+                                        <p:tgtEl>
+                                          <p:spTgt spid="5"/>
+                                        </p:tgtEl>
+                                        <p:attrNameLst>
+                                          <p:attrName>style.visibility</p:attrName>
+                                        </p:attrNameLst>
+                                      </p:cBhvr>
+                                      <p:to>
+                                        <p:strVal val="visible"/>
+                                      </p:to>
+                                    </p:set>
+                                  </p:childTnLst>
+                                </p:cTn>
+                              </p:par>
+                            </p:childTnLst>
+                          </p:cTn>
+                        </p:par>
+                      </p:childTnLst>
+                    </p:cTn>
+                  </p:par>
+                  <p:par>
+                    <p:cTn id="19" fill="hold">
+                      <p:stCondLst>
+                        <p:cond delay="indefinite"/>
+                      </p:stCondLst>
+                      <p:childTnLst>
+                        <p:par>
+                          <p:cTn id="20" fill="hold">
+                            <p:stCondLst>
+                              <p:cond delay="0"/>
+                            </p:stCondLst>
+                            <p:childTnLst>
+                              <p:par>
+                                <p:cTn id="21" presetID="1" presetClass="entr" presetSubtype="0" fill="hold" nodeType="clickEffect">
+                                  <p:stCondLst>
+                                    <p:cond delay="0"/>
+                                  </p:stCondLst>
+                                  <p:childTnLst>
+                                    <p:set>
+                                      <p:cBhvr>
+                                        <p:cTn id="22" dur="1" fill="hold">
+                                          <p:stCondLst>
+                                            <p:cond delay="0"/>
+                                          </p:stCondLst>
+                                        </p:cTn>
+                                        <p:tgtEl>
+                                          <p:spTgt spid="9"/>
+                                        </p:tgtEl>
+                                        <p:attrNameLst>
+                                          <p:attrName>style.visibility</p:attrName>
+                                        </p:attrNameLst>
+                                      </p:cBhvr>
+                                      <p:to>
+                                        <p:strVal val="visible"/>
+                                      </p:to>
+                                    </p:set>
+                                  </p:childTnLst>
+                                </p:cTn>
+                              </p:par>
+                              <p:par>
+                                <p:cTn id="23" presetID="1" presetClass="entr" presetSubtype="0" fill="hold" nodeType="withEffect">
+                                  <p:stCondLst>
+                                    <p:cond delay="0"/>
+                                  </p:stCondLst>
+                                  <p:childTnLst>
+                                    <p:set>
+                                      <p:cBhvr>
+                                        <p:cTn id="24" dur="1" fill="hold">
+                                          <p:stCondLst>
+                                            <p:cond delay="0"/>
+                                          </p:stCondLst>
+                                        </p:cTn>
+                                        <p:tgtEl>
+                                          <p:spTgt spid="74"/>
+                                        </p:tgtEl>
+                                        <p:attrNameLst>
+                                          <p:attrName>style.visibility</p:attrName>
+                                        </p:attrNameLst>
+                                      </p:cBhvr>
+                                      <p:to>
+                                        <p:strVal val="visible"/>
+                                      </p:to>
+                                    </p:set>
+                                  </p:childTnLst>
+                                </p:cTn>
+                              </p:par>
+                              <p:par>
+                                <p:cTn id="25" presetID="1" presetClass="entr" presetSubtype="0" fill="hold" nodeType="withEffect">
+                                  <p:stCondLst>
+                                    <p:cond delay="0"/>
+                                  </p:stCondLst>
+                                  <p:childTnLst>
+                                    <p:set>
+                                      <p:cBhvr>
+                                        <p:cTn id="26" dur="1" fill="hold">
+                                          <p:stCondLst>
+                                            <p:cond delay="0"/>
+                                          </p:stCondLst>
+                                        </p:cTn>
+                                        <p:tgtEl>
+                                          <p:spTgt spid="75"/>
+                                        </p:tgtEl>
+                                        <p:attrNameLst>
+                                          <p:attrName>style.visibility</p:attrName>
+                                        </p:attrNameLst>
+                                      </p:cBhvr>
+                                      <p:to>
+                                        <p:strVal val="visible"/>
+                                      </p:to>
+                                    </p:set>
+                                  </p:childTnLst>
+                                </p:cTn>
+                              </p:par>
+                              <p:par>
+                                <p:cTn id="27" presetID="1" presetClass="entr" presetSubtype="0" fill="hold" nodeType="withEffect">
+                                  <p:stCondLst>
+                                    <p:cond delay="0"/>
+                                  </p:stCondLst>
+                                  <p:childTnLst>
+                                    <p:set>
+                                      <p:cBhvr>
+                                        <p:cTn id="28" dur="1" fill="hold">
+                                          <p:stCondLst>
+                                            <p:cond delay="0"/>
+                                          </p:stCondLst>
+                                        </p:cTn>
+                                        <p:tgtEl>
+                                          <p:spTgt spid="76"/>
+                                        </p:tgtEl>
+                                        <p:attrNameLst>
+                                          <p:attrName>style.visibility</p:attrName>
+                                        </p:attrNameLst>
+                                      </p:cBhvr>
+                                      <p:to>
+                                        <p:strVal val="visible"/>
+                                      </p:to>
+                                    </p:set>
+                                  </p:childTnLst>
+                                </p:cTn>
+                              </p:par>
+                            </p:childTnLst>
+                          </p:cTn>
+                        </p:par>
+                      </p:childTnLst>
+                    </p:cTn>
+                  </p:par>
+                </p:childTnLst>
+              </p:cTn>
+              <p:prevCondLst>
+                <p:cond evt="onPrev" delay="0">
+                  <p:tgtEl>
+                    <p:sldTgt/>
+                  </p:tgtEl>
+                </p:cond>
+              </p:prevCondLst>
+              <p:nextCondLst>
+                <p:cond evt="onNext" delay="0">
+                  <p:tgtEl>
+                    <p:sldTgt/>
+                  </p:tgtEl>
+                </p:cond>
+              </p:nextCondLst>
+            </p:seq>
+          </p:childTnLst>
+        </p:cTn>
+      </p:par>
+    </p:tnLst>
+  </p:timing>
 </p:sld>
 </file>
 
